--- a/05-Documents/dynamic architecture.pptx
+++ b/05-Documents/dynamic architecture.pptx
@@ -259,7 +259,7 @@
           <a:p>
             <a:fld id="{F60855D9-2BF0-40AF-9E10-66807EB3D0FA}" type="datetimeFigureOut">
               <a:rPr lang="en-US" smtClean="0"/>
-              <a:t>4/2/2020</a:t>
+              <a:t>4/9/2020</a:t>
             </a:fld>
             <a:endParaRPr lang="en-US"/>
           </a:p>
@@ -457,7 +457,7 @@
           <a:p>
             <a:fld id="{F60855D9-2BF0-40AF-9E10-66807EB3D0FA}" type="datetimeFigureOut">
               <a:rPr lang="en-US" smtClean="0"/>
-              <a:t>4/2/2020</a:t>
+              <a:t>4/9/2020</a:t>
             </a:fld>
             <a:endParaRPr lang="en-US"/>
           </a:p>
@@ -665,7 +665,7 @@
           <a:p>
             <a:fld id="{F60855D9-2BF0-40AF-9E10-66807EB3D0FA}" type="datetimeFigureOut">
               <a:rPr lang="en-US" smtClean="0"/>
-              <a:t>4/2/2020</a:t>
+              <a:t>4/9/2020</a:t>
             </a:fld>
             <a:endParaRPr lang="en-US"/>
           </a:p>
@@ -863,7 +863,7 @@
           <a:p>
             <a:fld id="{F60855D9-2BF0-40AF-9E10-66807EB3D0FA}" type="datetimeFigureOut">
               <a:rPr lang="en-US" smtClean="0"/>
-              <a:t>4/2/2020</a:t>
+              <a:t>4/9/2020</a:t>
             </a:fld>
             <a:endParaRPr lang="en-US"/>
           </a:p>
@@ -1138,7 +1138,7 @@
           <a:p>
             <a:fld id="{F60855D9-2BF0-40AF-9E10-66807EB3D0FA}" type="datetimeFigureOut">
               <a:rPr lang="en-US" smtClean="0"/>
-              <a:t>4/2/2020</a:t>
+              <a:t>4/9/2020</a:t>
             </a:fld>
             <a:endParaRPr lang="en-US"/>
           </a:p>
@@ -1403,7 +1403,7 @@
           <a:p>
             <a:fld id="{F60855D9-2BF0-40AF-9E10-66807EB3D0FA}" type="datetimeFigureOut">
               <a:rPr lang="en-US" smtClean="0"/>
-              <a:t>4/2/2020</a:t>
+              <a:t>4/9/2020</a:t>
             </a:fld>
             <a:endParaRPr lang="en-US"/>
           </a:p>
@@ -1815,7 +1815,7 @@
           <a:p>
             <a:fld id="{F60855D9-2BF0-40AF-9E10-66807EB3D0FA}" type="datetimeFigureOut">
               <a:rPr lang="en-US" smtClean="0"/>
-              <a:t>4/2/2020</a:t>
+              <a:t>4/9/2020</a:t>
             </a:fld>
             <a:endParaRPr lang="en-US"/>
           </a:p>
@@ -1956,7 +1956,7 @@
           <a:p>
             <a:fld id="{F60855D9-2BF0-40AF-9E10-66807EB3D0FA}" type="datetimeFigureOut">
               <a:rPr lang="en-US" smtClean="0"/>
-              <a:t>4/2/2020</a:t>
+              <a:t>4/9/2020</a:t>
             </a:fld>
             <a:endParaRPr lang="en-US"/>
           </a:p>
@@ -2069,7 +2069,7 @@
           <a:p>
             <a:fld id="{F60855D9-2BF0-40AF-9E10-66807EB3D0FA}" type="datetimeFigureOut">
               <a:rPr lang="en-US" smtClean="0"/>
-              <a:t>4/2/2020</a:t>
+              <a:t>4/9/2020</a:t>
             </a:fld>
             <a:endParaRPr lang="en-US"/>
           </a:p>
@@ -2380,7 +2380,7 @@
           <a:p>
             <a:fld id="{F60855D9-2BF0-40AF-9E10-66807EB3D0FA}" type="datetimeFigureOut">
               <a:rPr lang="en-US" smtClean="0"/>
-              <a:t>4/2/2020</a:t>
+              <a:t>4/9/2020</a:t>
             </a:fld>
             <a:endParaRPr lang="en-US"/>
           </a:p>
@@ -2668,7 +2668,7 @@
           <a:p>
             <a:fld id="{F60855D9-2BF0-40AF-9E10-66807EB3D0FA}" type="datetimeFigureOut">
               <a:rPr lang="en-US" smtClean="0"/>
-              <a:t>4/2/2020</a:t>
+              <a:t>4/9/2020</a:t>
             </a:fld>
             <a:endParaRPr lang="en-US"/>
           </a:p>
@@ -2909,7 +2909,7 @@
           <a:p>
             <a:fld id="{F60855D9-2BF0-40AF-9E10-66807EB3D0FA}" type="datetimeFigureOut">
               <a:rPr lang="en-US" smtClean="0"/>
-              <a:t>4/2/2020</a:t>
+              <a:t>4/9/2020</a:t>
             </a:fld>
             <a:endParaRPr lang="en-US"/>
           </a:p>
@@ -3360,7 +3360,13 @@
               <a:rPr lang="en-US" b="1" dirty="0">
                 <a:latin typeface="+mn-lt"/>
               </a:rPr>
-              <a:t>Tick time  =  2 </a:t>
+              <a:t>Tick time  =  </a:t>
+            </a:r>
+            <a:r>
+              <a:rPr lang="en-US" b="1" dirty="0" smtClean="0">
+                <a:latin typeface="+mn-lt"/>
+              </a:rPr>
+              <a:t>5 </a:t>
             </a:r>
             <a:r>
               <a:rPr lang="en-US" b="1" dirty="0" err="1">
@@ -3390,7 +3396,7 @@
             <p:ph idx="1"/>
             <p:extLst>
               <p:ext uri="{D42A27DB-BD31-4B8C-83A1-F6EECF244321}">
-                <p14:modId xmlns:p14="http://schemas.microsoft.com/office/powerpoint/2010/main" val="2716780342"/>
+                <p14:modId xmlns:p14="http://schemas.microsoft.com/office/powerpoint/2010/main" val="1412308977"/>
               </p:ext>
             </p:extLst>
           </p:nvPr>
@@ -3568,8 +3574,12 @@
                     <a:p>
                       <a:pPr algn="ctr"/>
                       <a:r>
-                        <a:rPr lang="en-US" sz="2400" b="1" dirty="0"/>
-                        <a:t>LCD TASK </a:t>
+                        <a:rPr lang="en-US" sz="1800" b="1" dirty="0" smtClean="0"/>
+                        <a:t>SWITCH TASK</a:t>
+                      </a:r>
+                      <a:r>
+                        <a:rPr lang="en-US" dirty="0" smtClean="0"/>
+                        <a:t> </a:t>
                       </a:r>
                       <a:endParaRPr lang="en-US" dirty="0"/>
                     </a:p>
@@ -3583,10 +3593,14 @@
                     <a:p>
                       <a:r>
                         <a:rPr lang="en-US" sz="2400" b="1" dirty="0"/>
-                        <a:t>                  2   </a:t>
+                        <a:t>                  </a:t>
                       </a:r>
                       <a:r>
-                        <a:rPr lang="en-US" sz="2400" b="1" dirty="0" err="1"/>
+                        <a:rPr lang="en-US" sz="2400" b="1" dirty="0" smtClean="0"/>
+                        <a:t>5    </a:t>
+                      </a:r>
+                      <a:r>
+                        <a:rPr lang="en-US" sz="2400" b="1" dirty="0" err="1" smtClean="0"/>
                         <a:t>ms</a:t>
                       </a:r>
                       <a:endParaRPr lang="en-US" sz="2400" b="1" dirty="0"/>
@@ -3625,17 +3639,14 @@
                     <a:p>
                       <a:pPr algn="l"/>
                       <a:r>
-                        <a:rPr lang="en-US" dirty="0"/>
-                        <a:t>                 </a:t>
+                        <a:rPr lang="en-US" sz="2400" b="1" dirty="0" smtClean="0"/>
+                        <a:t>               APP TASK</a:t>
                       </a:r>
                       <a:r>
-                        <a:rPr lang="en-US" sz="2400" b="1" dirty="0"/>
-                        <a:t>SWITCH TASK</a:t>
+                        <a:rPr lang="en-US" dirty="0" smtClean="0"/>
+                        <a:t>                       </a:t>
                       </a:r>
-                      <a:r>
-                        <a:rPr lang="en-US" dirty="0"/>
-                        <a:t>             </a:t>
-                      </a:r>
+                      <a:endParaRPr lang="en-US" dirty="0"/>
                     </a:p>
                   </a:txBody>
                   <a:tcPr/>
@@ -3650,8 +3661,8 @@
                         <a:t>                       </a:t>
                       </a:r>
                       <a:r>
-                        <a:rPr lang="en-US" sz="2400" b="1" dirty="0"/>
-                        <a:t>4   </a:t>
+                        <a:rPr lang="en-US" sz="2400" b="1" dirty="0" smtClean="0"/>
+                        <a:t>30   </a:t>
                       </a:r>
                       <a:r>
                         <a:rPr lang="en-US" sz="2400" b="1" dirty="0" err="1"/>
@@ -3673,7 +3684,7 @@
                       </a:r>
                       <a:r>
                         <a:rPr lang="en-US" sz="2400" b="1" dirty="0"/>
-                        <a:t>0</a:t>
+                        <a:t>5</a:t>
                       </a:r>
                       <a:endParaRPr lang="en-US" dirty="0"/>
                     </a:p>
@@ -3694,21 +3705,14 @@
                     <a:p>
                       <a:pPr algn="l"/>
                       <a:r>
-                        <a:rPr lang="en-US"/>
+                        <a:rPr lang="en-US" dirty="0"/>
                         <a:t>                    </a:t>
                       </a:r>
                       <a:r>
-                        <a:rPr lang="en-US" sz="2400" b="1"/>
-                        <a:t>APP </a:t>
+                        <a:rPr lang="en-US" sz="2400" b="1" dirty="0" smtClean="0"/>
+                        <a:t>LCD</a:t>
                       </a:r>
-                      <a:r>
-                        <a:rPr lang="en-US" sz="2400" b="1" dirty="0"/>
-                        <a:t>TASK</a:t>
-                      </a:r>
-                      <a:r>
-                        <a:rPr lang="en-US" dirty="0"/>
-                        <a:t>             </a:t>
-                      </a:r>
+                      <a:endParaRPr lang="en-US" dirty="0"/>
                     </a:p>
                   </a:txBody>
                   <a:tcPr/>
@@ -3723,8 +3727,16 @@
                         <a:t>                       </a:t>
                       </a:r>
                       <a:r>
-                        <a:rPr lang="en-US" sz="2400" b="1" dirty="0"/>
-                        <a:t>20 </a:t>
+                        <a:rPr lang="en-US" sz="2400" b="1" dirty="0" smtClean="0"/>
+                        <a:t>5</a:t>
+                      </a:r>
+                      <a:r>
+                        <a:rPr lang="en-US" sz="2400" b="1" baseline="0" dirty="0" smtClean="0"/>
+                        <a:t>     </a:t>
+                      </a:r>
+                      <a:r>
+                        <a:rPr lang="en-US" sz="2400" b="1" dirty="0" smtClean="0"/>
+                        <a:t> </a:t>
                       </a:r>
                       <a:r>
                         <a:rPr lang="en-US" sz="2400" b="1" dirty="0" err="1"/>
@@ -3741,7 +3753,7 @@
                     <a:lstStyle/>
                     <a:p>
                       <a:r>
-                        <a:rPr lang="en-US" dirty="0"/>
+                        <a:rPr lang="en-US"/>
                         <a:t>                          </a:t>
                       </a:r>
                       <a:r>
